--- a/pics/2020-09-23-logistic_regression/pics.pptx
+++ b/pics/2020-09-23-logistic_regression/pics.pptx
@@ -6,7 +6,8 @@
   </p:sldMasterIdLst>
   <p:sldIdLst>
     <p:sldId id="256" r:id="rId2"/>
-    <p:sldId id="257" r:id="rId3"/>
+    <p:sldId id="258" r:id="rId3"/>
+    <p:sldId id="257" r:id="rId4"/>
   </p:sldIdLst>
   <p:sldSz cx="9144000" cy="6858000" type="screen4x3"/>
   <p:notesSz cx="6858000" cy="9144000"/>
@@ -105,6 +106,22 @@
       </a:defRPr>
     </a:lvl9pPr>
   </p:defaultTextStyle>
+  <p:extLst>
+    <p:ext uri="{EFAFB233-063F-42B5-8137-9DF3F51BA10A}">
+      <p15:sldGuideLst xmlns:p15="http://schemas.microsoft.com/office/powerpoint/2012/main">
+        <p15:guide id="1" orient="horz" pos="2160">
+          <p15:clr>
+            <a:srgbClr val="A4A3A4"/>
+          </p15:clr>
+        </p15:guide>
+        <p15:guide id="2" pos="2880">
+          <p15:clr>
+            <a:srgbClr val="A4A3A4"/>
+          </p15:clr>
+        </p15:guide>
+      </p15:sldGuideLst>
+    </p:ext>
+  </p:extLst>
 </p:presentation>
 </file>
 
@@ -146,10 +163,9 @@
           <a:lstStyle/>
           <a:p>
             <a:r>
-              <a:rPr lang="ko-KR" altLang="en-US" smtClean="0"/>
+              <a:rPr lang="ko-KR" altLang="en-US"/>
               <a:t>마스터 제목 스타일 편집</a:t>
             </a:r>
-            <a:endParaRPr lang="ko-KR" altLang="en-US"/>
           </a:p>
         </p:txBody>
       </p:sp>
@@ -265,10 +281,9 @@
           </a:lstStyle>
           <a:p>
             <a:r>
-              <a:rPr lang="ko-KR" altLang="en-US" smtClean="0"/>
+              <a:rPr lang="ko-KR" altLang="en-US"/>
               <a:t>마스터 부제목 스타일 편집</a:t>
             </a:r>
-            <a:endParaRPr lang="ko-KR" altLang="en-US"/>
           </a:p>
         </p:txBody>
       </p:sp>
@@ -289,7 +304,7 @@
           <a:p>
             <a:fld id="{FB30EDBD-1C2D-4C1E-B459-B60219FAB484}" type="datetimeFigureOut">
               <a:rPr lang="ko-KR" altLang="en-US" smtClean="0"/>
-              <a:t>2020-09-23</a:t>
+              <a:t>2020-09-26</a:t>
             </a:fld>
             <a:endParaRPr lang="ko-KR" altLang="en-US"/>
           </a:p>
@@ -378,10 +393,9 @@
           <a:lstStyle/>
           <a:p>
             <a:r>
-              <a:rPr lang="ko-KR" altLang="en-US" smtClean="0"/>
+              <a:rPr lang="ko-KR" altLang="en-US"/>
               <a:t>마스터 제목 스타일 편집</a:t>
             </a:r>
-            <a:endParaRPr lang="ko-KR" altLang="en-US"/>
           </a:p>
         </p:txBody>
       </p:sp>
@@ -402,38 +416,37 @@
           <a:p>
             <a:pPr lvl="0"/>
             <a:r>
-              <a:rPr lang="ko-KR" altLang="en-US" smtClean="0"/>
+              <a:rPr lang="ko-KR" altLang="en-US"/>
               <a:t>마스터 텍스트 스타일을 편집합니다</a:t>
             </a:r>
           </a:p>
           <a:p>
             <a:pPr lvl="1"/>
             <a:r>
-              <a:rPr lang="ko-KR" altLang="en-US" smtClean="0"/>
+              <a:rPr lang="ko-KR" altLang="en-US"/>
               <a:t>둘째 수준</a:t>
             </a:r>
           </a:p>
           <a:p>
             <a:pPr lvl="2"/>
             <a:r>
-              <a:rPr lang="ko-KR" altLang="en-US" smtClean="0"/>
+              <a:rPr lang="ko-KR" altLang="en-US"/>
               <a:t>셋째 수준</a:t>
             </a:r>
           </a:p>
           <a:p>
             <a:pPr lvl="3"/>
             <a:r>
-              <a:rPr lang="ko-KR" altLang="en-US" smtClean="0"/>
+              <a:rPr lang="ko-KR" altLang="en-US"/>
               <a:t>넷째 수준</a:t>
             </a:r>
           </a:p>
           <a:p>
             <a:pPr lvl="4"/>
             <a:r>
-              <a:rPr lang="ko-KR" altLang="en-US" smtClean="0"/>
+              <a:rPr lang="ko-KR" altLang="en-US"/>
               <a:t>다섯째 수준</a:t>
             </a:r>
-            <a:endParaRPr lang="ko-KR" altLang="en-US"/>
           </a:p>
         </p:txBody>
       </p:sp>
@@ -454,7 +467,7 @@
           <a:p>
             <a:fld id="{FB30EDBD-1C2D-4C1E-B459-B60219FAB484}" type="datetimeFigureOut">
               <a:rPr lang="ko-KR" altLang="en-US" smtClean="0"/>
-              <a:t>2020-09-23</a:t>
+              <a:t>2020-09-26</a:t>
             </a:fld>
             <a:endParaRPr lang="ko-KR" altLang="en-US"/>
           </a:p>
@@ -548,10 +561,9 @@
           <a:lstStyle/>
           <a:p>
             <a:r>
-              <a:rPr lang="ko-KR" altLang="en-US" smtClean="0"/>
+              <a:rPr lang="ko-KR" altLang="en-US"/>
               <a:t>마스터 제목 스타일 편집</a:t>
             </a:r>
-            <a:endParaRPr lang="ko-KR" altLang="en-US"/>
           </a:p>
         </p:txBody>
       </p:sp>
@@ -577,38 +589,37 @@
           <a:p>
             <a:pPr lvl="0"/>
             <a:r>
-              <a:rPr lang="ko-KR" altLang="en-US" smtClean="0"/>
+              <a:rPr lang="ko-KR" altLang="en-US"/>
               <a:t>마스터 텍스트 스타일을 편집합니다</a:t>
             </a:r>
           </a:p>
           <a:p>
             <a:pPr lvl="1"/>
             <a:r>
-              <a:rPr lang="ko-KR" altLang="en-US" smtClean="0"/>
+              <a:rPr lang="ko-KR" altLang="en-US"/>
               <a:t>둘째 수준</a:t>
             </a:r>
           </a:p>
           <a:p>
             <a:pPr lvl="2"/>
             <a:r>
-              <a:rPr lang="ko-KR" altLang="en-US" smtClean="0"/>
+              <a:rPr lang="ko-KR" altLang="en-US"/>
               <a:t>셋째 수준</a:t>
             </a:r>
           </a:p>
           <a:p>
             <a:pPr lvl="3"/>
             <a:r>
-              <a:rPr lang="ko-KR" altLang="en-US" smtClean="0"/>
+              <a:rPr lang="ko-KR" altLang="en-US"/>
               <a:t>넷째 수준</a:t>
             </a:r>
           </a:p>
           <a:p>
             <a:pPr lvl="4"/>
             <a:r>
-              <a:rPr lang="ko-KR" altLang="en-US" smtClean="0"/>
+              <a:rPr lang="ko-KR" altLang="en-US"/>
               <a:t>다섯째 수준</a:t>
             </a:r>
-            <a:endParaRPr lang="ko-KR" altLang="en-US"/>
           </a:p>
         </p:txBody>
       </p:sp>
@@ -629,7 +640,7 @@
           <a:p>
             <a:fld id="{FB30EDBD-1C2D-4C1E-B459-B60219FAB484}" type="datetimeFigureOut">
               <a:rPr lang="ko-KR" altLang="en-US" smtClean="0"/>
-              <a:t>2020-09-23</a:t>
+              <a:t>2020-09-26</a:t>
             </a:fld>
             <a:endParaRPr lang="ko-KR" altLang="en-US"/>
           </a:p>
@@ -718,10 +729,9 @@
           <a:lstStyle/>
           <a:p>
             <a:r>
-              <a:rPr lang="ko-KR" altLang="en-US" smtClean="0"/>
+              <a:rPr lang="ko-KR" altLang="en-US"/>
               <a:t>마스터 제목 스타일 편집</a:t>
             </a:r>
-            <a:endParaRPr lang="ko-KR" altLang="en-US"/>
           </a:p>
         </p:txBody>
       </p:sp>
@@ -742,38 +752,37 @@
           <a:p>
             <a:pPr lvl="0"/>
             <a:r>
-              <a:rPr lang="ko-KR" altLang="en-US" smtClean="0"/>
+              <a:rPr lang="ko-KR" altLang="en-US"/>
               <a:t>마스터 텍스트 스타일을 편집합니다</a:t>
             </a:r>
           </a:p>
           <a:p>
             <a:pPr lvl="1"/>
             <a:r>
-              <a:rPr lang="ko-KR" altLang="en-US" smtClean="0"/>
+              <a:rPr lang="ko-KR" altLang="en-US"/>
               <a:t>둘째 수준</a:t>
             </a:r>
           </a:p>
           <a:p>
             <a:pPr lvl="2"/>
             <a:r>
-              <a:rPr lang="ko-KR" altLang="en-US" smtClean="0"/>
+              <a:rPr lang="ko-KR" altLang="en-US"/>
               <a:t>셋째 수준</a:t>
             </a:r>
           </a:p>
           <a:p>
             <a:pPr lvl="3"/>
             <a:r>
-              <a:rPr lang="ko-KR" altLang="en-US" smtClean="0"/>
+              <a:rPr lang="ko-KR" altLang="en-US"/>
               <a:t>넷째 수준</a:t>
             </a:r>
           </a:p>
           <a:p>
             <a:pPr lvl="4"/>
             <a:r>
-              <a:rPr lang="ko-KR" altLang="en-US" smtClean="0"/>
+              <a:rPr lang="ko-KR" altLang="en-US"/>
               <a:t>다섯째 수준</a:t>
             </a:r>
-            <a:endParaRPr lang="ko-KR" altLang="en-US"/>
           </a:p>
         </p:txBody>
       </p:sp>
@@ -794,7 +803,7 @@
           <a:p>
             <a:fld id="{FB30EDBD-1C2D-4C1E-B459-B60219FAB484}" type="datetimeFigureOut">
               <a:rPr lang="ko-KR" altLang="en-US" smtClean="0"/>
-              <a:t>2020-09-23</a:t>
+              <a:t>2020-09-26</a:t>
             </a:fld>
             <a:endParaRPr lang="ko-KR" altLang="en-US"/>
           </a:p>
@@ -892,10 +901,9 @@
           </a:lstStyle>
           <a:p>
             <a:r>
-              <a:rPr lang="ko-KR" altLang="en-US" smtClean="0"/>
+              <a:rPr lang="ko-KR" altLang="en-US"/>
               <a:t>마스터 제목 스타일 편집</a:t>
             </a:r>
-            <a:endParaRPr lang="ko-KR" altLang="en-US"/>
           </a:p>
         </p:txBody>
       </p:sp>
@@ -1012,7 +1020,7 @@
           <a:p>
             <a:pPr lvl="0"/>
             <a:r>
-              <a:rPr lang="ko-KR" altLang="en-US" smtClean="0"/>
+              <a:rPr lang="ko-KR" altLang="en-US"/>
               <a:t>마스터 텍스트 스타일을 편집합니다</a:t>
             </a:r>
           </a:p>
@@ -1035,7 +1043,7 @@
           <a:p>
             <a:fld id="{FB30EDBD-1C2D-4C1E-B459-B60219FAB484}" type="datetimeFigureOut">
               <a:rPr lang="ko-KR" altLang="en-US" smtClean="0"/>
-              <a:t>2020-09-23</a:t>
+              <a:t>2020-09-26</a:t>
             </a:fld>
             <a:endParaRPr lang="ko-KR" altLang="en-US"/>
           </a:p>
@@ -1124,10 +1132,9 @@
           <a:lstStyle/>
           <a:p>
             <a:r>
-              <a:rPr lang="ko-KR" altLang="en-US" smtClean="0"/>
+              <a:rPr lang="ko-KR" altLang="en-US"/>
               <a:t>마스터 제목 스타일 편집</a:t>
             </a:r>
-            <a:endParaRPr lang="ko-KR" altLang="en-US"/>
           </a:p>
         </p:txBody>
       </p:sp>
@@ -1181,38 +1188,37 @@
           <a:p>
             <a:pPr lvl="0"/>
             <a:r>
-              <a:rPr lang="ko-KR" altLang="en-US" smtClean="0"/>
+              <a:rPr lang="ko-KR" altLang="en-US"/>
               <a:t>마스터 텍스트 스타일을 편집합니다</a:t>
             </a:r>
           </a:p>
           <a:p>
             <a:pPr lvl="1"/>
             <a:r>
-              <a:rPr lang="ko-KR" altLang="en-US" smtClean="0"/>
+              <a:rPr lang="ko-KR" altLang="en-US"/>
               <a:t>둘째 수준</a:t>
             </a:r>
           </a:p>
           <a:p>
             <a:pPr lvl="2"/>
             <a:r>
-              <a:rPr lang="ko-KR" altLang="en-US" smtClean="0"/>
+              <a:rPr lang="ko-KR" altLang="en-US"/>
               <a:t>셋째 수준</a:t>
             </a:r>
           </a:p>
           <a:p>
             <a:pPr lvl="3"/>
             <a:r>
-              <a:rPr lang="ko-KR" altLang="en-US" smtClean="0"/>
+              <a:rPr lang="ko-KR" altLang="en-US"/>
               <a:t>넷째 수준</a:t>
             </a:r>
           </a:p>
           <a:p>
             <a:pPr lvl="4"/>
             <a:r>
-              <a:rPr lang="ko-KR" altLang="en-US" smtClean="0"/>
+              <a:rPr lang="ko-KR" altLang="en-US"/>
               <a:t>다섯째 수준</a:t>
             </a:r>
-            <a:endParaRPr lang="ko-KR" altLang="en-US"/>
           </a:p>
         </p:txBody>
       </p:sp>
@@ -1266,38 +1272,37 @@
           <a:p>
             <a:pPr lvl="0"/>
             <a:r>
-              <a:rPr lang="ko-KR" altLang="en-US" smtClean="0"/>
+              <a:rPr lang="ko-KR" altLang="en-US"/>
               <a:t>마스터 텍스트 스타일을 편집합니다</a:t>
             </a:r>
           </a:p>
           <a:p>
             <a:pPr lvl="1"/>
             <a:r>
-              <a:rPr lang="ko-KR" altLang="en-US" smtClean="0"/>
+              <a:rPr lang="ko-KR" altLang="en-US"/>
               <a:t>둘째 수준</a:t>
             </a:r>
           </a:p>
           <a:p>
             <a:pPr lvl="2"/>
             <a:r>
-              <a:rPr lang="ko-KR" altLang="en-US" smtClean="0"/>
+              <a:rPr lang="ko-KR" altLang="en-US"/>
               <a:t>셋째 수준</a:t>
             </a:r>
           </a:p>
           <a:p>
             <a:pPr lvl="3"/>
             <a:r>
-              <a:rPr lang="ko-KR" altLang="en-US" smtClean="0"/>
+              <a:rPr lang="ko-KR" altLang="en-US"/>
               <a:t>넷째 수준</a:t>
             </a:r>
           </a:p>
           <a:p>
             <a:pPr lvl="4"/>
             <a:r>
-              <a:rPr lang="ko-KR" altLang="en-US" smtClean="0"/>
+              <a:rPr lang="ko-KR" altLang="en-US"/>
               <a:t>다섯째 수준</a:t>
             </a:r>
-            <a:endParaRPr lang="ko-KR" altLang="en-US"/>
           </a:p>
         </p:txBody>
       </p:sp>
@@ -1318,7 +1323,7 @@
           <a:p>
             <a:fld id="{FB30EDBD-1C2D-4C1E-B459-B60219FAB484}" type="datetimeFigureOut">
               <a:rPr lang="ko-KR" altLang="en-US" smtClean="0"/>
-              <a:t>2020-09-23</a:t>
+              <a:t>2020-09-26</a:t>
             </a:fld>
             <a:endParaRPr lang="ko-KR" altLang="en-US"/>
           </a:p>
@@ -1411,10 +1416,9 @@
           </a:lstStyle>
           <a:p>
             <a:r>
-              <a:rPr lang="ko-KR" altLang="en-US" smtClean="0"/>
+              <a:rPr lang="ko-KR" altLang="en-US"/>
               <a:t>마스터 제목 스타일 편집</a:t>
             </a:r>
-            <a:endParaRPr lang="ko-KR" altLang="en-US"/>
           </a:p>
         </p:txBody>
       </p:sp>
@@ -1477,7 +1481,7 @@
           <a:p>
             <a:pPr lvl="0"/>
             <a:r>
-              <a:rPr lang="ko-KR" altLang="en-US" smtClean="0"/>
+              <a:rPr lang="ko-KR" altLang="en-US"/>
               <a:t>마스터 텍스트 스타일을 편집합니다</a:t>
             </a:r>
           </a:p>
@@ -1533,38 +1537,37 @@
           <a:p>
             <a:pPr lvl="0"/>
             <a:r>
-              <a:rPr lang="ko-KR" altLang="en-US" smtClean="0"/>
+              <a:rPr lang="ko-KR" altLang="en-US"/>
               <a:t>마스터 텍스트 스타일을 편집합니다</a:t>
             </a:r>
           </a:p>
           <a:p>
             <a:pPr lvl="1"/>
             <a:r>
-              <a:rPr lang="ko-KR" altLang="en-US" smtClean="0"/>
+              <a:rPr lang="ko-KR" altLang="en-US"/>
               <a:t>둘째 수준</a:t>
             </a:r>
           </a:p>
           <a:p>
             <a:pPr lvl="2"/>
             <a:r>
-              <a:rPr lang="ko-KR" altLang="en-US" smtClean="0"/>
+              <a:rPr lang="ko-KR" altLang="en-US"/>
               <a:t>셋째 수준</a:t>
             </a:r>
           </a:p>
           <a:p>
             <a:pPr lvl="3"/>
             <a:r>
-              <a:rPr lang="ko-KR" altLang="en-US" smtClean="0"/>
+              <a:rPr lang="ko-KR" altLang="en-US"/>
               <a:t>넷째 수준</a:t>
             </a:r>
           </a:p>
           <a:p>
             <a:pPr lvl="4"/>
             <a:r>
-              <a:rPr lang="ko-KR" altLang="en-US" smtClean="0"/>
+              <a:rPr lang="ko-KR" altLang="en-US"/>
               <a:t>다섯째 수준</a:t>
             </a:r>
-            <a:endParaRPr lang="ko-KR" altLang="en-US"/>
           </a:p>
         </p:txBody>
       </p:sp>
@@ -1627,7 +1630,7 @@
           <a:p>
             <a:pPr lvl="0"/>
             <a:r>
-              <a:rPr lang="ko-KR" altLang="en-US" smtClean="0"/>
+              <a:rPr lang="ko-KR" altLang="en-US"/>
               <a:t>마스터 텍스트 스타일을 편집합니다</a:t>
             </a:r>
           </a:p>
@@ -1683,38 +1686,37 @@
           <a:p>
             <a:pPr lvl="0"/>
             <a:r>
-              <a:rPr lang="ko-KR" altLang="en-US" smtClean="0"/>
+              <a:rPr lang="ko-KR" altLang="en-US"/>
               <a:t>마스터 텍스트 스타일을 편집합니다</a:t>
             </a:r>
           </a:p>
           <a:p>
             <a:pPr lvl="1"/>
             <a:r>
-              <a:rPr lang="ko-KR" altLang="en-US" smtClean="0"/>
+              <a:rPr lang="ko-KR" altLang="en-US"/>
               <a:t>둘째 수준</a:t>
             </a:r>
           </a:p>
           <a:p>
             <a:pPr lvl="2"/>
             <a:r>
-              <a:rPr lang="ko-KR" altLang="en-US" smtClean="0"/>
+              <a:rPr lang="ko-KR" altLang="en-US"/>
               <a:t>셋째 수준</a:t>
             </a:r>
           </a:p>
           <a:p>
             <a:pPr lvl="3"/>
             <a:r>
-              <a:rPr lang="ko-KR" altLang="en-US" smtClean="0"/>
+              <a:rPr lang="ko-KR" altLang="en-US"/>
               <a:t>넷째 수준</a:t>
             </a:r>
           </a:p>
           <a:p>
             <a:pPr lvl="4"/>
             <a:r>
-              <a:rPr lang="ko-KR" altLang="en-US" smtClean="0"/>
+              <a:rPr lang="ko-KR" altLang="en-US"/>
               <a:t>다섯째 수준</a:t>
             </a:r>
-            <a:endParaRPr lang="ko-KR" altLang="en-US"/>
           </a:p>
         </p:txBody>
       </p:sp>
@@ -1735,7 +1737,7 @@
           <a:p>
             <a:fld id="{FB30EDBD-1C2D-4C1E-B459-B60219FAB484}" type="datetimeFigureOut">
               <a:rPr lang="ko-KR" altLang="en-US" smtClean="0"/>
-              <a:t>2020-09-23</a:t>
+              <a:t>2020-09-26</a:t>
             </a:fld>
             <a:endParaRPr lang="ko-KR" altLang="en-US"/>
           </a:p>
@@ -1824,10 +1826,9 @@
           <a:lstStyle/>
           <a:p>
             <a:r>
-              <a:rPr lang="ko-KR" altLang="en-US" smtClean="0"/>
+              <a:rPr lang="ko-KR" altLang="en-US"/>
               <a:t>마스터 제목 스타일 편집</a:t>
             </a:r>
-            <a:endParaRPr lang="ko-KR" altLang="en-US"/>
           </a:p>
         </p:txBody>
       </p:sp>
@@ -1848,7 +1849,7 @@
           <a:p>
             <a:fld id="{FB30EDBD-1C2D-4C1E-B459-B60219FAB484}" type="datetimeFigureOut">
               <a:rPr lang="ko-KR" altLang="en-US" smtClean="0"/>
-              <a:t>2020-09-23</a:t>
+              <a:t>2020-09-26</a:t>
             </a:fld>
             <a:endParaRPr lang="ko-KR" altLang="en-US"/>
           </a:p>
@@ -1938,7 +1939,7 @@
           <a:p>
             <a:fld id="{FB30EDBD-1C2D-4C1E-B459-B60219FAB484}" type="datetimeFigureOut">
               <a:rPr lang="ko-KR" altLang="en-US" smtClean="0"/>
-              <a:t>2020-09-23</a:t>
+              <a:t>2020-09-26</a:t>
             </a:fld>
             <a:endParaRPr lang="ko-KR" altLang="en-US"/>
           </a:p>
@@ -2036,10 +2037,9 @@
           </a:lstStyle>
           <a:p>
             <a:r>
-              <a:rPr lang="ko-KR" altLang="en-US" smtClean="0"/>
+              <a:rPr lang="ko-KR" altLang="en-US"/>
               <a:t>마스터 제목 스타일 편집</a:t>
             </a:r>
-            <a:endParaRPr lang="ko-KR" altLang="en-US"/>
           </a:p>
         </p:txBody>
       </p:sp>
@@ -2093,38 +2093,37 @@
           <a:p>
             <a:pPr lvl="0"/>
             <a:r>
-              <a:rPr lang="ko-KR" altLang="en-US" smtClean="0"/>
+              <a:rPr lang="ko-KR" altLang="en-US"/>
               <a:t>마스터 텍스트 스타일을 편집합니다</a:t>
             </a:r>
           </a:p>
           <a:p>
             <a:pPr lvl="1"/>
             <a:r>
-              <a:rPr lang="ko-KR" altLang="en-US" smtClean="0"/>
+              <a:rPr lang="ko-KR" altLang="en-US"/>
               <a:t>둘째 수준</a:t>
             </a:r>
           </a:p>
           <a:p>
             <a:pPr lvl="2"/>
             <a:r>
-              <a:rPr lang="ko-KR" altLang="en-US" smtClean="0"/>
+              <a:rPr lang="ko-KR" altLang="en-US"/>
               <a:t>셋째 수준</a:t>
             </a:r>
           </a:p>
           <a:p>
             <a:pPr lvl="3"/>
             <a:r>
-              <a:rPr lang="ko-KR" altLang="en-US" smtClean="0"/>
+              <a:rPr lang="ko-KR" altLang="en-US"/>
               <a:t>넷째 수준</a:t>
             </a:r>
           </a:p>
           <a:p>
             <a:pPr lvl="4"/>
             <a:r>
-              <a:rPr lang="ko-KR" altLang="en-US" smtClean="0"/>
+              <a:rPr lang="ko-KR" altLang="en-US"/>
               <a:t>다섯째 수준</a:t>
             </a:r>
-            <a:endParaRPr lang="ko-KR" altLang="en-US"/>
           </a:p>
         </p:txBody>
       </p:sp>
@@ -2187,7 +2186,7 @@
           <a:p>
             <a:pPr lvl="0"/>
             <a:r>
-              <a:rPr lang="ko-KR" altLang="en-US" smtClean="0"/>
+              <a:rPr lang="ko-KR" altLang="en-US"/>
               <a:t>마스터 텍스트 스타일을 편집합니다</a:t>
             </a:r>
           </a:p>
@@ -2210,7 +2209,7 @@
           <a:p>
             <a:fld id="{FB30EDBD-1C2D-4C1E-B459-B60219FAB484}" type="datetimeFigureOut">
               <a:rPr lang="ko-KR" altLang="en-US" smtClean="0"/>
-              <a:t>2020-09-23</a:t>
+              <a:t>2020-09-26</a:t>
             </a:fld>
             <a:endParaRPr lang="ko-KR" altLang="en-US"/>
           </a:p>
@@ -2308,10 +2307,9 @@
           </a:lstStyle>
           <a:p>
             <a:r>
-              <a:rPr lang="ko-KR" altLang="en-US" smtClean="0"/>
+              <a:rPr lang="ko-KR" altLang="en-US"/>
               <a:t>마스터 제목 스타일 편집</a:t>
             </a:r>
-            <a:endParaRPr lang="ko-KR" altLang="en-US"/>
           </a:p>
         </p:txBody>
       </p:sp>
@@ -2435,7 +2433,7 @@
           <a:p>
             <a:pPr lvl="0"/>
             <a:r>
-              <a:rPr lang="ko-KR" altLang="en-US" smtClean="0"/>
+              <a:rPr lang="ko-KR" altLang="en-US"/>
               <a:t>마스터 텍스트 스타일을 편집합니다</a:t>
             </a:r>
           </a:p>
@@ -2458,7 +2456,7 @@
           <a:p>
             <a:fld id="{FB30EDBD-1C2D-4C1E-B459-B60219FAB484}" type="datetimeFigureOut">
               <a:rPr lang="ko-KR" altLang="en-US" smtClean="0"/>
-              <a:t>2020-09-23</a:t>
+              <a:t>2020-09-26</a:t>
             </a:fld>
             <a:endParaRPr lang="ko-KR" altLang="en-US"/>
           </a:p>
@@ -2562,10 +2560,9 @@
           <a:lstStyle/>
           <a:p>
             <a:r>
-              <a:rPr lang="ko-KR" altLang="en-US" smtClean="0"/>
+              <a:rPr lang="ko-KR" altLang="en-US"/>
               <a:t>마스터 제목 스타일 편집</a:t>
             </a:r>
-            <a:endParaRPr lang="ko-KR" altLang="en-US"/>
           </a:p>
         </p:txBody>
       </p:sp>
@@ -2596,38 +2593,37 @@
           <a:p>
             <a:pPr lvl="0"/>
             <a:r>
-              <a:rPr lang="ko-KR" altLang="en-US" smtClean="0"/>
+              <a:rPr lang="ko-KR" altLang="en-US"/>
               <a:t>마스터 텍스트 스타일을 편집합니다</a:t>
             </a:r>
           </a:p>
           <a:p>
             <a:pPr lvl="1"/>
             <a:r>
-              <a:rPr lang="ko-KR" altLang="en-US" smtClean="0"/>
+              <a:rPr lang="ko-KR" altLang="en-US"/>
               <a:t>둘째 수준</a:t>
             </a:r>
           </a:p>
           <a:p>
             <a:pPr lvl="2"/>
             <a:r>
-              <a:rPr lang="ko-KR" altLang="en-US" smtClean="0"/>
+              <a:rPr lang="ko-KR" altLang="en-US"/>
               <a:t>셋째 수준</a:t>
             </a:r>
           </a:p>
           <a:p>
             <a:pPr lvl="3"/>
             <a:r>
-              <a:rPr lang="ko-KR" altLang="en-US" smtClean="0"/>
+              <a:rPr lang="ko-KR" altLang="en-US"/>
               <a:t>넷째 수준</a:t>
             </a:r>
           </a:p>
           <a:p>
             <a:pPr lvl="4"/>
             <a:r>
-              <a:rPr lang="ko-KR" altLang="en-US" smtClean="0"/>
+              <a:rPr lang="ko-KR" altLang="en-US"/>
               <a:t>다섯째 수준</a:t>
             </a:r>
-            <a:endParaRPr lang="ko-KR" altLang="en-US"/>
           </a:p>
         </p:txBody>
       </p:sp>
@@ -2666,7 +2662,7 @@
           <a:p>
             <a:fld id="{FB30EDBD-1C2D-4C1E-B459-B60219FAB484}" type="datetimeFigureOut">
               <a:rPr lang="ko-KR" altLang="en-US" smtClean="0"/>
-              <a:t>2020-09-23</a:t>
+              <a:t>2020-09-26</a:t>
             </a:fld>
             <a:endParaRPr lang="ko-KR" altLang="en-US"/>
           </a:p>
@@ -3132,6 +3128,66 @@
       </p:grpSpPr>
       <p:pic>
         <p:nvPicPr>
+          <p:cNvPr id="5" name="그림 4">
+            <a:extLst>
+              <a:ext uri="{FF2B5EF4-FFF2-40B4-BE49-F238E27FC236}">
+                <a16:creationId xmlns:a16="http://schemas.microsoft.com/office/drawing/2014/main" id="{E897F1E8-42BD-4924-8DB5-8236D4BE5E87}"/>
+              </a:ext>
+            </a:extLst>
+          </p:cNvPr>
+          <p:cNvPicPr>
+            <a:picLocks noChangeAspect="1"/>
+          </p:cNvPicPr>
+          <p:nvPr/>
+        </p:nvPicPr>
+        <p:blipFill>
+          <a:blip r:embed="rId2"/>
+          <a:stretch>
+            <a:fillRect/>
+          </a:stretch>
+        </p:blipFill>
+        <p:spPr>
+          <a:xfrm>
+            <a:off x="1900620" y="1433512"/>
+            <a:ext cx="5342760" cy="3990976"/>
+          </a:xfrm>
+          <a:prstGeom prst="rect">
+            <a:avLst/>
+          </a:prstGeom>
+        </p:spPr>
+      </p:pic>
+    </p:spTree>
+    <p:extLst>
+      <p:ext uri="{BB962C8B-B14F-4D97-AF65-F5344CB8AC3E}">
+        <p14:creationId xmlns:p14="http://schemas.microsoft.com/office/powerpoint/2010/main" val="1071541860"/>
+      </p:ext>
+    </p:extLst>
+  </p:cSld>
+  <p:clrMapOvr>
+    <a:masterClrMapping/>
+  </p:clrMapOvr>
+</p:sld>
+</file>
+
+<file path=ppt/slides/slide3.xml><?xml version="1.0" encoding="utf-8"?>
+<p:sld xmlns:a="http://schemas.openxmlformats.org/drawingml/2006/main" xmlns:r="http://schemas.openxmlformats.org/officeDocument/2006/relationships" xmlns:p="http://schemas.openxmlformats.org/presentationml/2006/main">
+  <p:cSld>
+    <p:spTree>
+      <p:nvGrpSpPr>
+        <p:cNvPr id="1" name=""/>
+        <p:cNvGrpSpPr/>
+        <p:nvPr/>
+      </p:nvGrpSpPr>
+      <p:grpSpPr>
+        <a:xfrm>
+          <a:off x="0" y="0"/>
+          <a:ext cx="0" cy="0"/>
+          <a:chOff x="0" y="0"/>
+          <a:chExt cx="0" cy="0"/>
+        </a:xfrm>
+      </p:grpSpPr>
+      <p:pic>
+        <p:nvPicPr>
           <p:cNvPr id="1026" name="Picture 2"/>
           <p:cNvPicPr>
             <a:picLocks noChangeAspect="1" noChangeArrowheads="1"/>

--- a/pics/2020-09-23-logistic_regression/pics.pptx
+++ b/pics/2020-09-23-logistic_regression/pics.pptx
@@ -7,7 +7,9 @@
   <p:sldIdLst>
     <p:sldId id="256" r:id="rId2"/>
     <p:sldId id="258" r:id="rId3"/>
-    <p:sldId id="257" r:id="rId4"/>
+    <p:sldId id="259" r:id="rId4"/>
+    <p:sldId id="260" r:id="rId5"/>
+    <p:sldId id="257" r:id="rId6"/>
   </p:sldIdLst>
   <p:sldSz cx="9144000" cy="6858000" type="screen4x3"/>
   <p:notesSz cx="6858000" cy="9144000"/>
@@ -3186,6 +3188,692 @@
           <a:chExt cx="0" cy="0"/>
         </a:xfrm>
       </p:grpSpPr>
+      <p:cxnSp>
+        <p:nvCxnSpPr>
+          <p:cNvPr id="5" name="직선 화살표 연결선 4">
+            <a:extLst>
+              <a:ext uri="{FF2B5EF4-FFF2-40B4-BE49-F238E27FC236}">
+                <a16:creationId xmlns:a16="http://schemas.microsoft.com/office/drawing/2014/main" id="{9FA0AC9F-2069-4A64-A5F4-B0A0307949D4}"/>
+              </a:ext>
+            </a:extLst>
+          </p:cNvPr>
+          <p:cNvCxnSpPr/>
+          <p:nvPr/>
+        </p:nvCxnSpPr>
+        <p:spPr>
+          <a:xfrm>
+            <a:off x="1331640" y="4437112"/>
+            <a:ext cx="6552728" cy="0"/>
+          </a:xfrm>
+          <a:prstGeom prst="straightConnector1">
+            <a:avLst/>
+          </a:prstGeom>
+          <a:ln>
+            <a:solidFill>
+              <a:schemeClr val="tx1"/>
+            </a:solidFill>
+            <a:tailEnd type="triangle"/>
+          </a:ln>
+        </p:spPr>
+        <p:style>
+          <a:lnRef idx="1">
+            <a:schemeClr val="accent1"/>
+          </a:lnRef>
+          <a:fillRef idx="0">
+            <a:schemeClr val="accent1"/>
+          </a:fillRef>
+          <a:effectRef idx="0">
+            <a:schemeClr val="accent1"/>
+          </a:effectRef>
+          <a:fontRef idx="minor">
+            <a:schemeClr val="tx1"/>
+          </a:fontRef>
+        </p:style>
+      </p:cxnSp>
+      <p:cxnSp>
+        <p:nvCxnSpPr>
+          <p:cNvPr id="7" name="직선 화살표 연결선 6">
+            <a:extLst>
+              <a:ext uri="{FF2B5EF4-FFF2-40B4-BE49-F238E27FC236}">
+                <a16:creationId xmlns:a16="http://schemas.microsoft.com/office/drawing/2014/main" id="{55E59165-A536-45C3-9571-97D5DF0A6DFD}"/>
+              </a:ext>
+            </a:extLst>
+          </p:cNvPr>
+          <p:cNvCxnSpPr/>
+          <p:nvPr/>
+        </p:nvCxnSpPr>
+        <p:spPr>
+          <a:xfrm flipV="1">
+            <a:off x="4572000" y="1124744"/>
+            <a:ext cx="0" cy="3744416"/>
+          </a:xfrm>
+          <a:prstGeom prst="straightConnector1">
+            <a:avLst/>
+          </a:prstGeom>
+          <a:ln>
+            <a:tailEnd type="triangle"/>
+          </a:ln>
+        </p:spPr>
+        <p:style>
+          <a:lnRef idx="1">
+            <a:schemeClr val="dk1"/>
+          </a:lnRef>
+          <a:fillRef idx="0">
+            <a:schemeClr val="dk1"/>
+          </a:fillRef>
+          <a:effectRef idx="0">
+            <a:schemeClr val="dk1"/>
+          </a:effectRef>
+          <a:fontRef idx="minor">
+            <a:schemeClr val="tx1"/>
+          </a:fontRef>
+        </p:style>
+      </p:cxnSp>
+      <p:sp>
+        <p:nvSpPr>
+          <p:cNvPr id="8" name="TextBox 7">
+            <a:extLst>
+              <a:ext uri="{FF2B5EF4-FFF2-40B4-BE49-F238E27FC236}">
+                <a16:creationId xmlns:a16="http://schemas.microsoft.com/office/drawing/2014/main" id="{10D4C9E3-0BCB-4DCD-89D3-7022983042FC}"/>
+              </a:ext>
+            </a:extLst>
+          </p:cNvPr>
+          <p:cNvSpPr txBox="1"/>
+          <p:nvPr/>
+        </p:nvSpPr>
+        <p:spPr>
+          <a:xfrm>
+            <a:off x="4211960" y="4437112"/>
+            <a:ext cx="311304" cy="369332"/>
+          </a:xfrm>
+          <a:prstGeom prst="rect">
+            <a:avLst/>
+          </a:prstGeom>
+          <a:noFill/>
+        </p:spPr>
+        <p:txBody>
+          <a:bodyPr wrap="none" rtlCol="0">
+            <a:spAutoFit/>
+          </a:bodyPr>
+          <a:lstStyle/>
+          <a:p>
+            <a:r>
+              <a:rPr lang="en-US" altLang="ko-KR" dirty="0"/>
+              <a:t>0</a:t>
+            </a:r>
+            <a:endParaRPr lang="ko-KR" altLang="en-US" dirty="0"/>
+          </a:p>
+        </p:txBody>
+      </p:sp>
+      <mc:AlternateContent xmlns:mc="http://schemas.openxmlformats.org/markup-compatibility/2006">
+        <mc:Choice xmlns:a14="http://schemas.microsoft.com/office/drawing/2010/main" Requires="a14">
+          <p:sp>
+            <p:nvSpPr>
+              <p:cNvPr id="9" name="TextBox 8">
+                <a:extLst>
+                  <a:ext uri="{FF2B5EF4-FFF2-40B4-BE49-F238E27FC236}">
+                    <a16:creationId xmlns:a16="http://schemas.microsoft.com/office/drawing/2014/main" id="{0ED7FCA7-CAE3-4545-8722-1D31A0E1157F}"/>
+                  </a:ext>
+                </a:extLst>
+              </p:cNvPr>
+              <p:cNvSpPr txBox="1"/>
+              <p:nvPr/>
+            </p:nvSpPr>
+            <p:spPr>
+              <a:xfrm>
+                <a:off x="7728716" y="4437112"/>
+                <a:ext cx="396839" cy="369332"/>
+              </a:xfrm>
+              <a:prstGeom prst="rect">
+                <a:avLst/>
+              </a:prstGeom>
+              <a:noFill/>
+            </p:spPr>
+            <p:txBody>
+              <a:bodyPr wrap="none" rtlCol="0">
+                <a:spAutoFit/>
+              </a:bodyPr>
+              <a:lstStyle/>
+              <a:p>
+                <a14:m>
+                  <m:oMathPara xmlns:m="http://schemas.openxmlformats.org/officeDocument/2006/math">
+                    <m:oMathParaPr>
+                      <m:jc m:val="centerGroup"/>
+                    </m:oMathParaPr>
+                    <m:oMath xmlns:m="http://schemas.openxmlformats.org/officeDocument/2006/math">
+                      <m:r>
+                        <a:rPr lang="en-US" altLang="ko-KR" b="0" i="1" smtClean="0">
+                          <a:latin typeface="Cambria Math" panose="02040503050406030204" pitchFamily="18" charset="0"/>
+                        </a:rPr>
+                        <m:t>𝑥</m:t>
+                      </m:r>
+                    </m:oMath>
+                  </m:oMathPara>
+                </a14:m>
+                <a:endParaRPr lang="ko-KR" altLang="en-US" dirty="0"/>
+              </a:p>
+            </p:txBody>
+          </p:sp>
+        </mc:Choice>
+        <mc:Fallback>
+          <p:sp>
+            <p:nvSpPr>
+              <p:cNvPr id="9" name="TextBox 8">
+                <a:extLst>
+                  <a:ext uri="{FF2B5EF4-FFF2-40B4-BE49-F238E27FC236}">
+                    <a16:creationId xmlns:a16="http://schemas.microsoft.com/office/drawing/2014/main" id="{0ED7FCA7-CAE3-4545-8722-1D31A0E1157F}"/>
+                  </a:ext>
+                </a:extLst>
+              </p:cNvPr>
+              <p:cNvSpPr txBox="1">
+                <a:spLocks noRot="1" noChangeAspect="1" noMove="1" noResize="1" noEditPoints="1" noAdjustHandles="1" noChangeArrowheads="1" noChangeShapeType="1" noTextEdit="1"/>
+              </p:cNvSpPr>
+              <p:nvPr/>
+            </p:nvSpPr>
+            <p:spPr>
+              <a:xfrm>
+                <a:off x="7728716" y="4437112"/>
+                <a:ext cx="396839" cy="369332"/>
+              </a:xfrm>
+              <a:prstGeom prst="rect">
+                <a:avLst/>
+              </a:prstGeom>
+              <a:blipFill>
+                <a:blip r:embed="rId2"/>
+                <a:stretch>
+                  <a:fillRect/>
+                </a:stretch>
+              </a:blipFill>
+            </p:spPr>
+            <p:txBody>
+              <a:bodyPr/>
+              <a:lstStyle/>
+              <a:p>
+                <a:r>
+                  <a:rPr lang="ko-KR" altLang="en-US">
+                    <a:noFill/>
+                  </a:rPr>
+                  <a:t> </a:t>
+                </a:r>
+              </a:p>
+            </p:txBody>
+          </p:sp>
+        </mc:Fallback>
+      </mc:AlternateContent>
+      <mc:AlternateContent xmlns:mc="http://schemas.openxmlformats.org/markup-compatibility/2006">
+        <mc:Choice xmlns:a14="http://schemas.microsoft.com/office/drawing/2010/main" Requires="a14">
+          <p:sp>
+            <p:nvSpPr>
+              <p:cNvPr id="10" name="TextBox 9">
+                <a:extLst>
+                  <a:ext uri="{FF2B5EF4-FFF2-40B4-BE49-F238E27FC236}">
+                    <a16:creationId xmlns:a16="http://schemas.microsoft.com/office/drawing/2014/main" id="{1DA31095-47C5-4E00-A6B5-E385851D5BB5}"/>
+                  </a:ext>
+                </a:extLst>
+              </p:cNvPr>
+              <p:cNvSpPr txBox="1"/>
+              <p:nvPr/>
+            </p:nvSpPr>
+            <p:spPr>
+              <a:xfrm>
+                <a:off x="4126425" y="940078"/>
+                <a:ext cx="396839" cy="369332"/>
+              </a:xfrm>
+              <a:prstGeom prst="rect">
+                <a:avLst/>
+              </a:prstGeom>
+              <a:noFill/>
+            </p:spPr>
+            <p:txBody>
+              <a:bodyPr wrap="none" rtlCol="0">
+                <a:spAutoFit/>
+              </a:bodyPr>
+              <a:lstStyle/>
+              <a:p>
+                <a14:m>
+                  <m:oMathPara xmlns:m="http://schemas.openxmlformats.org/officeDocument/2006/math">
+                    <m:oMathParaPr>
+                      <m:jc m:val="centerGroup"/>
+                    </m:oMathParaPr>
+                    <m:oMath xmlns:m="http://schemas.openxmlformats.org/officeDocument/2006/math">
+                      <m:r>
+                        <a:rPr lang="en-US" altLang="ko-KR" b="0" i="1" smtClean="0">
+                          <a:latin typeface="Cambria Math" panose="02040503050406030204" pitchFamily="18" charset="0"/>
+                        </a:rPr>
+                        <m:t>𝑦</m:t>
+                      </m:r>
+                    </m:oMath>
+                  </m:oMathPara>
+                </a14:m>
+                <a:endParaRPr lang="ko-KR" altLang="en-US" dirty="0"/>
+              </a:p>
+            </p:txBody>
+          </p:sp>
+        </mc:Choice>
+        <mc:Fallback>
+          <p:sp>
+            <p:nvSpPr>
+              <p:cNvPr id="10" name="TextBox 9">
+                <a:extLst>
+                  <a:ext uri="{FF2B5EF4-FFF2-40B4-BE49-F238E27FC236}">
+                    <a16:creationId xmlns:a16="http://schemas.microsoft.com/office/drawing/2014/main" id="{1DA31095-47C5-4E00-A6B5-E385851D5BB5}"/>
+                  </a:ext>
+                </a:extLst>
+              </p:cNvPr>
+              <p:cNvSpPr txBox="1">
+                <a:spLocks noRot="1" noChangeAspect="1" noMove="1" noResize="1" noEditPoints="1" noAdjustHandles="1" noChangeArrowheads="1" noChangeShapeType="1" noTextEdit="1"/>
+              </p:cNvSpPr>
+              <p:nvPr/>
+            </p:nvSpPr>
+            <p:spPr>
+              <a:xfrm>
+                <a:off x="4126425" y="940078"/>
+                <a:ext cx="396839" cy="369332"/>
+              </a:xfrm>
+              <a:prstGeom prst="rect">
+                <a:avLst/>
+              </a:prstGeom>
+              <a:blipFill>
+                <a:blip r:embed="rId3"/>
+                <a:stretch>
+                  <a:fillRect b="-9836"/>
+                </a:stretch>
+              </a:blipFill>
+            </p:spPr>
+            <p:txBody>
+              <a:bodyPr/>
+              <a:lstStyle/>
+              <a:p>
+                <a:r>
+                  <a:rPr lang="ko-KR" altLang="en-US">
+                    <a:noFill/>
+                  </a:rPr>
+                  <a:t> </a:t>
+                </a:r>
+              </a:p>
+            </p:txBody>
+          </p:sp>
+        </mc:Fallback>
+      </mc:AlternateContent>
+      <mc:AlternateContent xmlns:mc="http://schemas.openxmlformats.org/markup-compatibility/2006">
+        <mc:Choice xmlns:a14="http://schemas.microsoft.com/office/drawing/2010/main" Requires="a14">
+          <p:sp>
+            <p:nvSpPr>
+              <p:cNvPr id="11" name="TextBox 10">
+                <a:extLst>
+                  <a:ext uri="{FF2B5EF4-FFF2-40B4-BE49-F238E27FC236}">
+                    <a16:creationId xmlns:a16="http://schemas.microsoft.com/office/drawing/2014/main" id="{8E46BCD2-AB54-45E4-BA56-C2FCC7C7448A}"/>
+                  </a:ext>
+                </a:extLst>
+              </p:cNvPr>
+              <p:cNvSpPr txBox="1"/>
+              <p:nvPr/>
+            </p:nvSpPr>
+            <p:spPr>
+              <a:xfrm>
+                <a:off x="4126425" y="2627620"/>
+                <a:ext cx="396839" cy="369332"/>
+              </a:xfrm>
+              <a:prstGeom prst="rect">
+                <a:avLst/>
+              </a:prstGeom>
+              <a:noFill/>
+            </p:spPr>
+            <p:txBody>
+              <a:bodyPr wrap="none" rtlCol="0">
+                <a:spAutoFit/>
+              </a:bodyPr>
+              <a:lstStyle/>
+              <a:p>
+                <a14:m>
+                  <m:oMathPara xmlns:m="http://schemas.openxmlformats.org/officeDocument/2006/math">
+                    <m:oMathParaPr>
+                      <m:jc m:val="centerGroup"/>
+                    </m:oMathParaPr>
+                    <m:oMath xmlns:m="http://schemas.openxmlformats.org/officeDocument/2006/math">
+                      <m:r>
+                        <a:rPr lang="en-US" altLang="ko-KR" b="0" i="1" smtClean="0">
+                          <a:latin typeface="Cambria Math" panose="02040503050406030204" pitchFamily="18" charset="0"/>
+                        </a:rPr>
+                        <m:t>1</m:t>
+                      </m:r>
+                    </m:oMath>
+                  </m:oMathPara>
+                </a14:m>
+                <a:endParaRPr lang="ko-KR" altLang="en-US" dirty="0"/>
+              </a:p>
+            </p:txBody>
+          </p:sp>
+        </mc:Choice>
+        <mc:Fallback>
+          <p:sp>
+            <p:nvSpPr>
+              <p:cNvPr id="11" name="TextBox 10">
+                <a:extLst>
+                  <a:ext uri="{FF2B5EF4-FFF2-40B4-BE49-F238E27FC236}">
+                    <a16:creationId xmlns:a16="http://schemas.microsoft.com/office/drawing/2014/main" id="{8E46BCD2-AB54-45E4-BA56-C2FCC7C7448A}"/>
+                  </a:ext>
+                </a:extLst>
+              </p:cNvPr>
+              <p:cNvSpPr txBox="1">
+                <a:spLocks noRot="1" noChangeAspect="1" noMove="1" noResize="1" noEditPoints="1" noAdjustHandles="1" noChangeArrowheads="1" noChangeShapeType="1" noTextEdit="1"/>
+              </p:cNvSpPr>
+              <p:nvPr/>
+            </p:nvSpPr>
+            <p:spPr>
+              <a:xfrm>
+                <a:off x="4126425" y="2627620"/>
+                <a:ext cx="396839" cy="369332"/>
+              </a:xfrm>
+              <a:prstGeom prst="rect">
+                <a:avLst/>
+              </a:prstGeom>
+              <a:blipFill>
+                <a:blip r:embed="rId4"/>
+                <a:stretch>
+                  <a:fillRect/>
+                </a:stretch>
+              </a:blipFill>
+            </p:spPr>
+            <p:txBody>
+              <a:bodyPr/>
+              <a:lstStyle/>
+              <a:p>
+                <a:r>
+                  <a:rPr lang="ko-KR" altLang="en-US">
+                    <a:noFill/>
+                  </a:rPr>
+                  <a:t> </a:t>
+                </a:r>
+              </a:p>
+            </p:txBody>
+          </p:sp>
+        </mc:Fallback>
+      </mc:AlternateContent>
+      <p:cxnSp>
+        <p:nvCxnSpPr>
+          <p:cNvPr id="13" name="직선 연결선 12">
+            <a:extLst>
+              <a:ext uri="{FF2B5EF4-FFF2-40B4-BE49-F238E27FC236}">
+                <a16:creationId xmlns:a16="http://schemas.microsoft.com/office/drawing/2014/main" id="{DD51CD31-E11F-45CC-9B0B-7EEA0DE4FB8C}"/>
+              </a:ext>
+            </a:extLst>
+          </p:cNvPr>
+          <p:cNvCxnSpPr>
+            <a:cxnSpLocks/>
+          </p:cNvCxnSpPr>
+          <p:nvPr/>
+        </p:nvCxnSpPr>
+        <p:spPr>
+          <a:xfrm>
+            <a:off x="4572000" y="2812286"/>
+            <a:ext cx="3602291" cy="0"/>
+          </a:xfrm>
+          <a:prstGeom prst="line">
+            <a:avLst/>
+          </a:prstGeom>
+          <a:ln w="38100">
+            <a:solidFill>
+              <a:schemeClr val="tx1"/>
+            </a:solidFill>
+          </a:ln>
+        </p:spPr>
+        <p:style>
+          <a:lnRef idx="1">
+            <a:schemeClr val="accent1"/>
+          </a:lnRef>
+          <a:fillRef idx="0">
+            <a:schemeClr val="accent1"/>
+          </a:fillRef>
+          <a:effectRef idx="0">
+            <a:schemeClr val="accent1"/>
+          </a:effectRef>
+          <a:fontRef idx="minor">
+            <a:schemeClr val="tx1"/>
+          </a:fontRef>
+        </p:style>
+      </p:cxnSp>
+      <p:sp>
+        <p:nvSpPr>
+          <p:cNvPr id="14" name="타원 13">
+            <a:extLst>
+              <a:ext uri="{FF2B5EF4-FFF2-40B4-BE49-F238E27FC236}">
+                <a16:creationId xmlns:a16="http://schemas.microsoft.com/office/drawing/2014/main" id="{850DA32F-CB51-4E15-8C98-3D0FD707DEA3}"/>
+              </a:ext>
+            </a:extLst>
+          </p:cNvPr>
+          <p:cNvSpPr/>
+          <p:nvPr/>
+        </p:nvSpPr>
+        <p:spPr>
+          <a:xfrm>
+            <a:off x="4537672" y="2776286"/>
+            <a:ext cx="72000" cy="72000"/>
+          </a:xfrm>
+          <a:prstGeom prst="ellipse">
+            <a:avLst/>
+          </a:prstGeom>
+          <a:solidFill>
+            <a:schemeClr val="tx1"/>
+          </a:solidFill>
+          <a:ln>
+            <a:solidFill>
+              <a:schemeClr val="tx1"/>
+            </a:solidFill>
+          </a:ln>
+        </p:spPr>
+        <p:style>
+          <a:lnRef idx="2">
+            <a:schemeClr val="accent1">
+              <a:shade val="50000"/>
+            </a:schemeClr>
+          </a:lnRef>
+          <a:fillRef idx="1">
+            <a:schemeClr val="accent1"/>
+          </a:fillRef>
+          <a:effectRef idx="0">
+            <a:schemeClr val="accent1"/>
+          </a:effectRef>
+          <a:fontRef idx="minor">
+            <a:schemeClr val="lt1"/>
+          </a:fontRef>
+        </p:style>
+        <p:txBody>
+          <a:bodyPr rtlCol="0" anchor="ctr"/>
+          <a:lstStyle/>
+          <a:p>
+            <a:pPr algn="ctr"/>
+            <a:endParaRPr lang="ko-KR" altLang="en-US"/>
+          </a:p>
+        </p:txBody>
+      </p:sp>
+      <p:cxnSp>
+        <p:nvCxnSpPr>
+          <p:cNvPr id="15" name="직선 연결선 14">
+            <a:extLst>
+              <a:ext uri="{FF2B5EF4-FFF2-40B4-BE49-F238E27FC236}">
+                <a16:creationId xmlns:a16="http://schemas.microsoft.com/office/drawing/2014/main" id="{B03DEABA-F3B7-498D-9E93-3EAB7337A7AC}"/>
+              </a:ext>
+            </a:extLst>
+          </p:cNvPr>
+          <p:cNvCxnSpPr>
+            <a:cxnSpLocks/>
+          </p:cNvCxnSpPr>
+          <p:nvPr/>
+        </p:nvCxnSpPr>
+        <p:spPr>
+          <a:xfrm>
+            <a:off x="969709" y="4437112"/>
+            <a:ext cx="3602291" cy="0"/>
+          </a:xfrm>
+          <a:prstGeom prst="line">
+            <a:avLst/>
+          </a:prstGeom>
+          <a:ln w="38100">
+            <a:solidFill>
+              <a:schemeClr val="tx1"/>
+            </a:solidFill>
+          </a:ln>
+        </p:spPr>
+        <p:style>
+          <a:lnRef idx="1">
+            <a:schemeClr val="accent1"/>
+          </a:lnRef>
+          <a:fillRef idx="0">
+            <a:schemeClr val="accent1"/>
+          </a:fillRef>
+          <a:effectRef idx="0">
+            <a:schemeClr val="accent1"/>
+          </a:effectRef>
+          <a:fontRef idx="minor">
+            <a:schemeClr val="tx1"/>
+          </a:fontRef>
+        </p:style>
+      </p:cxnSp>
+      <p:sp>
+        <p:nvSpPr>
+          <p:cNvPr id="17" name="타원 16">
+            <a:extLst>
+              <a:ext uri="{FF2B5EF4-FFF2-40B4-BE49-F238E27FC236}">
+                <a16:creationId xmlns:a16="http://schemas.microsoft.com/office/drawing/2014/main" id="{4F0728B9-7A6F-47CB-A426-738BA5238370}"/>
+              </a:ext>
+            </a:extLst>
+          </p:cNvPr>
+          <p:cNvSpPr/>
+          <p:nvPr/>
+        </p:nvSpPr>
+        <p:spPr>
+          <a:xfrm>
+            <a:off x="4538483" y="4401112"/>
+            <a:ext cx="72000" cy="72000"/>
+          </a:xfrm>
+          <a:prstGeom prst="ellipse">
+            <a:avLst/>
+          </a:prstGeom>
+          <a:solidFill>
+            <a:schemeClr val="bg1"/>
+          </a:solidFill>
+          <a:ln>
+            <a:solidFill>
+              <a:schemeClr val="tx1"/>
+            </a:solidFill>
+          </a:ln>
+        </p:spPr>
+        <p:style>
+          <a:lnRef idx="2">
+            <a:schemeClr val="accent1">
+              <a:shade val="50000"/>
+            </a:schemeClr>
+          </a:lnRef>
+          <a:fillRef idx="1">
+            <a:schemeClr val="accent1"/>
+          </a:fillRef>
+          <a:effectRef idx="0">
+            <a:schemeClr val="accent1"/>
+          </a:effectRef>
+          <a:fontRef idx="minor">
+            <a:schemeClr val="lt1"/>
+          </a:fontRef>
+        </p:style>
+        <p:txBody>
+          <a:bodyPr rtlCol="0" anchor="ctr"/>
+          <a:lstStyle/>
+          <a:p>
+            <a:pPr algn="ctr"/>
+            <a:endParaRPr lang="ko-KR" altLang="en-US"/>
+          </a:p>
+        </p:txBody>
+      </p:sp>
+    </p:spTree>
+    <p:extLst>
+      <p:ext uri="{BB962C8B-B14F-4D97-AF65-F5344CB8AC3E}">
+        <p14:creationId xmlns:p14="http://schemas.microsoft.com/office/powerpoint/2010/main" val="159145592"/>
+      </p:ext>
+    </p:extLst>
+  </p:cSld>
+  <p:clrMapOvr>
+    <a:masterClrMapping/>
+  </p:clrMapOvr>
+</p:sld>
+</file>
+
+<file path=ppt/slides/slide4.xml><?xml version="1.0" encoding="utf-8"?>
+<p:sld xmlns:a="http://schemas.openxmlformats.org/drawingml/2006/main" xmlns:r="http://schemas.openxmlformats.org/officeDocument/2006/relationships" xmlns:p="http://schemas.openxmlformats.org/presentationml/2006/main">
+  <p:cSld>
+    <p:spTree>
+      <p:nvGrpSpPr>
+        <p:cNvPr id="1" name=""/>
+        <p:cNvGrpSpPr/>
+        <p:nvPr/>
+      </p:nvGrpSpPr>
+      <p:grpSpPr>
+        <a:xfrm>
+          <a:off x="0" y="0"/>
+          <a:ext cx="0" cy="0"/>
+          <a:chOff x="0" y="0"/>
+          <a:chExt cx="0" cy="0"/>
+        </a:xfrm>
+      </p:grpSpPr>
+      <p:pic>
+        <p:nvPicPr>
+          <p:cNvPr id="4" name="그림 3">
+            <a:extLst>
+              <a:ext uri="{FF2B5EF4-FFF2-40B4-BE49-F238E27FC236}">
+                <a16:creationId xmlns:a16="http://schemas.microsoft.com/office/drawing/2014/main" id="{E8E87BF3-DEB6-4C23-A232-D8F68A2C3178}"/>
+              </a:ext>
+            </a:extLst>
+          </p:cNvPr>
+          <p:cNvPicPr>
+            <a:picLocks noChangeAspect="1"/>
+          </p:cNvPicPr>
+          <p:nvPr/>
+        </p:nvPicPr>
+        <p:blipFill>
+          <a:blip r:embed="rId2"/>
+          <a:stretch>
+            <a:fillRect/>
+          </a:stretch>
+        </p:blipFill>
+        <p:spPr>
+          <a:xfrm>
+            <a:off x="1776462" y="1340768"/>
+            <a:ext cx="5591076" cy="4176464"/>
+          </a:xfrm>
+          <a:prstGeom prst="rect">
+            <a:avLst/>
+          </a:prstGeom>
+        </p:spPr>
+      </p:pic>
+    </p:spTree>
+    <p:extLst>
+      <p:ext uri="{BB962C8B-B14F-4D97-AF65-F5344CB8AC3E}">
+        <p14:creationId xmlns:p14="http://schemas.microsoft.com/office/powerpoint/2010/main" val="953092807"/>
+      </p:ext>
+    </p:extLst>
+  </p:cSld>
+  <p:clrMapOvr>
+    <a:masterClrMapping/>
+  </p:clrMapOvr>
+</p:sld>
+</file>
+
+<file path=ppt/slides/slide5.xml><?xml version="1.0" encoding="utf-8"?>
+<p:sld xmlns:a="http://schemas.openxmlformats.org/drawingml/2006/main" xmlns:r="http://schemas.openxmlformats.org/officeDocument/2006/relationships" xmlns:p="http://schemas.openxmlformats.org/presentationml/2006/main">
+  <p:cSld>
+    <p:spTree>
+      <p:nvGrpSpPr>
+        <p:cNvPr id="1" name=""/>
+        <p:cNvGrpSpPr/>
+        <p:nvPr/>
+      </p:nvGrpSpPr>
+      <p:grpSpPr>
+        <a:xfrm>
+          <a:off x="0" y="0"/>
+          <a:ext cx="0" cy="0"/>
+          <a:chOff x="0" y="0"/>
+          <a:chExt cx="0" cy="0"/>
+        </a:xfrm>
+      </p:grpSpPr>
       <p:pic>
         <p:nvPicPr>
           <p:cNvPr id="1026" name="Picture 2"/>
